--- a/Presentasjon/FME_dagen.pptx
+++ b/Presentasjon/FME_dagen.pptx
@@ -5315,7 +5315,7 @@
         <p:spPr>
           <a:xfrm>
             <a:off x="5275823" y="826550"/>
-            <a:ext cx="2456066" cy="857250"/>
+            <a:ext cx="2803306" cy="857250"/>
           </a:xfrm>
         </p:spPr>
         <p:txBody>
@@ -5328,24 +5328,12 @@
               <a:rPr lang="nb-NO" dirty="0"/>
             </a:br>
             <a:r>
-              <a:rPr lang="nb-NO" dirty="0" err="1"/>
-              <a:t>if</a:t>
-            </a:r>
-            <a:r>
-              <a:rPr lang="nb-NO" dirty="0"/>
-              <a:t> (FME and Python):</a:t>
+              <a:rPr lang="nb-NO" dirty="0"/>
+              <a:t>Når bruke Python i FME</a:t>
             </a:r>
             <a:br>
               <a:rPr lang="nb-NO" dirty="0"/>
             </a:br>
-            <a:r>
-              <a:rPr lang="nb-NO" dirty="0"/>
-              <a:t>    </a:t>
-            </a:r>
-            <a:r>
-              <a:rPr lang="nb-NO" dirty="0" err="1"/>
-              <a:t>continue</a:t>
-            </a:r>
             <a:endParaRPr lang="nb-NO" cap="none" dirty="0"/>
           </a:p>
         </p:txBody>
@@ -5424,7 +5412,7 @@
         </p:blipFill>
         <p:spPr>
           <a:xfrm>
-            <a:off x="7787592" y="611270"/>
+            <a:off x="365808" y="2571750"/>
             <a:ext cx="1305528" cy="1072530"/>
           </a:xfrm>
           <a:prstGeom prst="rect">
@@ -5432,6 +5420,52 @@
           </a:prstGeom>
         </p:spPr>
       </p:pic>
+      <p:sp>
+        <p:nvSpPr>
+          <p:cNvPr id="7" name="Plusstegn 6">
+            <a:extLst>
+              <a:ext uri="{FF2B5EF4-FFF2-40B4-BE49-F238E27FC236}">
+                <a16:creationId xmlns:a16="http://schemas.microsoft.com/office/drawing/2014/main" id="{C152EB09-2DCE-406B-89B6-A6ACA030D2E2}"/>
+              </a:ext>
+            </a:extLst>
+          </p:cNvPr>
+          <p:cNvSpPr/>
+          <p:nvPr/>
+        </p:nvSpPr>
+        <p:spPr>
+          <a:xfrm>
+            <a:off x="807334" y="1860472"/>
+            <a:ext cx="422476" cy="353344"/>
+          </a:xfrm>
+          <a:prstGeom prst="mathPlus">
+            <a:avLst/>
+          </a:prstGeom>
+        </p:spPr>
+        <p:style>
+          <a:lnRef idx="2">
+            <a:schemeClr val="accent1">
+              <a:shade val="50000"/>
+            </a:schemeClr>
+          </a:lnRef>
+          <a:fillRef idx="1">
+            <a:schemeClr val="accent1"/>
+          </a:fillRef>
+          <a:effectRef idx="0">
+            <a:schemeClr val="accent1"/>
+          </a:effectRef>
+          <a:fontRef idx="minor">
+            <a:schemeClr val="lt1"/>
+          </a:fontRef>
+        </p:style>
+        <p:txBody>
+          <a:bodyPr rtlCol="0" anchor="ctr"/>
+          <a:lstStyle/>
+          <a:p>
+            <a:pPr algn="ctr"/>
+            <a:endParaRPr lang="nb-NO"/>
+          </a:p>
+        </p:txBody>
+      </p:sp>
     </p:spTree>
     <p:extLst>
       <p:ext uri="{BB962C8B-B14F-4D97-AF65-F5344CB8AC3E}">
@@ -5497,23 +5531,15 @@
           <a:p>
             <a:r>
               <a:rPr lang="nb-NO" dirty="0"/>
-              <a:t>I FME jobber man på en </a:t>
+              <a:t>I FME jobber man på en og en </a:t>
             </a:r>
             <a:r>
               <a:rPr lang="nb-NO" dirty="0" err="1"/>
-              <a:t>Feature</a:t>
-            </a:r>
-            <a:r>
-              <a:rPr lang="nb-NO" dirty="0"/>
-              <a:t> av gangen, som kan bli litt frustrerende hvor man trenger kjennskap i mellom hver </a:t>
-            </a:r>
-            <a:r>
-              <a:rPr lang="nb-NO" dirty="0" err="1"/>
-              <a:t>Feature</a:t>
-            </a:r>
-            <a:r>
-              <a:rPr lang="nb-NO" dirty="0"/>
-              <a:t>.</a:t>
+              <a:t>feature</a:t>
+            </a:r>
+            <a:r>
+              <a:rPr lang="nb-NO" dirty="0"/>
+              <a:t> av gangen.</a:t>
             </a:r>
           </a:p>
           <a:p>
